--- a/Saugos Magistro studijos/Laboratorinis tinklai/Kompiuteriniu tinklu saugos projetkas.pptx
+++ b/Saugos Magistro studijos/Laboratorinis tinklai/Kompiuteriniu tinklu saugos projetkas.pptx
@@ -4288,7 +4288,7 @@
           <a:p>
             <a:fld id="{72F77756-703A-4C45-96D0-2261A4FADC57}" type="datetimeFigureOut">
               <a:rPr lang="en-US" smtClean="0"/>
-              <a:t>11/29/2021</a:t>
+              <a:t>12/7/2021</a:t>
             </a:fld>
             <a:endParaRPr lang="en-US"/>
           </a:p>
@@ -4466,7 +4466,7 @@
           <a:p>
             <a:fld id="{7E4A7845-6E42-A54B-BDCA-C3518250E7BF}" type="datetimeFigureOut">
               <a:rPr lang="en-US" smtClean="0"/>
-              <a:t>11/29/2021</a:t>
+              <a:t>12/7/2021</a:t>
             </a:fld>
             <a:endParaRPr lang="en-US"/>
           </a:p>
@@ -24705,6 +24705,10 @@
           <a:lstStyle/>
           <a:p>
             <a:r>
+              <a:rPr lang="en-US" dirty="0"/>
+              <a:t>Filtras: </a:t>
+            </a:r>
+            <a:r>
               <a:rPr lang="en-US" dirty="0" err="1"/>
               <a:t>irc</a:t>
             </a:r>
@@ -26545,6 +26549,23 @@
 </file>
 
 <file path=customXml/item1.xml><?xml version="1.0" encoding="utf-8"?>
+<p:properties xmlns:p="http://schemas.microsoft.com/office/2006/metadata/properties" xmlns:xsi="http://www.w3.org/2001/XMLSchema-instance" xmlns:pc="http://schemas.microsoft.com/office/infopath/2007/PartnerControls">
+  <documentManagement>
+    <Modifikuoti xmlns="6f570473-4b36-4c39-a776-03401f4bff93" xsi:nil="true"/>
+  </documentManagement>
+</p:properties>
+</file>
+
+<file path=customXml/item2.xml><?xml version="1.0" encoding="utf-8"?>
+<?mso-contentType ?>
+<FormTemplates xmlns="http://schemas.microsoft.com/sharepoint/v3/contenttype/forms">
+  <Display>DocumentLibraryForm</Display>
+  <Edit>DocumentLibraryForm</Edit>
+  <New>DocumentLibraryForm</New>
+</FormTemplates>
+</file>
+
+<file path=customXml/item3.xml><?xml version="1.0" encoding="utf-8"?>
 <ct:contentTypeSchema xmlns:ct="http://schemas.microsoft.com/office/2006/metadata/contentType" xmlns:ma="http://schemas.microsoft.com/office/2006/metadata/properties/metaAttributes" ct:_="" ma:_="" ma:contentTypeName="Dokumentas" ma:contentTypeID="0x01010085A0B56825ACE44AA56534054A45F39F" ma:contentTypeVersion="16" ma:contentTypeDescription="Kurkite naują dokumentą." ma:contentTypeScope="" ma:versionID="af5a762cd9ff50b6a08d36f9c4c905e0">
   <xsd:schema xmlns:xsd="http://www.w3.org/2001/XMLSchema" xmlns:xs="http://www.w3.org/2001/XMLSchema" xmlns:p="http://schemas.microsoft.com/office/2006/metadata/properties" xmlns:ns2="620836a7-bc45-472c-88d2-4326827033e8" xmlns:ns3="6f570473-4b36-4c39-a776-03401f4bff93" targetNamespace="http://schemas.microsoft.com/office/2006/metadata/properties" ma:root="true" ma:fieldsID="f1c764103dade80e512ed8409fb7d386" ns2:_="" ns3:_="">
     <xsd:import namespace="620836a7-bc45-472c-88d2-4326827033e8"/>
@@ -26787,24 +26808,25 @@
 </ct:contentTypeSchema>
 </file>
 
-<file path=customXml/item2.xml><?xml version="1.0" encoding="utf-8"?>
-<?mso-contentType ?>
-<FormTemplates xmlns="http://schemas.microsoft.com/sharepoint/v3/contenttype/forms">
-  <Display>DocumentLibraryForm</Display>
-  <Edit>DocumentLibraryForm</Edit>
-  <New>DocumentLibraryForm</New>
-</FormTemplates>
+<file path=customXml/itemProps1.xml><?xml version="1.0" encoding="utf-8"?>
+<ds:datastoreItem xmlns:ds="http://schemas.openxmlformats.org/officeDocument/2006/customXml" ds:itemID="{BA7BADF8-ABD3-4C23-AF26-BD3BDD8175E7}">
+  <ds:schemaRefs>
+    <ds:schemaRef ds:uri="http://schemas.microsoft.com/office/2006/metadata/properties"/>
+    <ds:schemaRef ds:uri="http://schemas.microsoft.com/office/infopath/2007/PartnerControls"/>
+    <ds:schemaRef ds:uri="6f570473-4b36-4c39-a776-03401f4bff93"/>
+  </ds:schemaRefs>
+</ds:datastoreItem>
 </file>
 
-<file path=customXml/item3.xml><?xml version="1.0" encoding="utf-8"?>
-<p:properties xmlns:p="http://schemas.microsoft.com/office/2006/metadata/properties" xmlns:xsi="http://www.w3.org/2001/XMLSchema-instance" xmlns:pc="http://schemas.microsoft.com/office/infopath/2007/PartnerControls">
-  <documentManagement>
-    <Modifikuoti xmlns="6f570473-4b36-4c39-a776-03401f4bff93" xsi:nil="true"/>
-  </documentManagement>
-</p:properties>
+<file path=customXml/itemProps2.xml><?xml version="1.0" encoding="utf-8"?>
+<ds:datastoreItem xmlns:ds="http://schemas.openxmlformats.org/officeDocument/2006/customXml" ds:itemID="{520C1942-10EE-42DC-AE9F-A926B050F2F4}">
+  <ds:schemaRefs>
+    <ds:schemaRef ds:uri="http://schemas.microsoft.com/sharepoint/v3/contenttype/forms"/>
+  </ds:schemaRefs>
+</ds:datastoreItem>
 </file>
 
-<file path=customXml/itemProps1.xml><?xml version="1.0" encoding="utf-8"?>
+<file path=customXml/itemProps3.xml><?xml version="1.0" encoding="utf-8"?>
 <ds:datastoreItem xmlns:ds="http://schemas.openxmlformats.org/officeDocument/2006/customXml" ds:itemID="{8E9EA016-48E9-454F-BAD2-C11D02A89C34}">
   <ds:schemaRefs>
     <ds:schemaRef ds:uri="http://schemas.microsoft.com/office/2006/metadata/contentType"/>
@@ -26821,22 +26843,4 @@
     <ds:schemaRef ds:uri="http://schemas.microsoft.com/internal/obd"/>
   </ds:schemaRefs>
 </ds:datastoreItem>
-</file>
-
-<file path=customXml/itemProps2.xml><?xml version="1.0" encoding="utf-8"?>
-<ds:datastoreItem xmlns:ds="http://schemas.openxmlformats.org/officeDocument/2006/customXml" ds:itemID="{520C1942-10EE-42DC-AE9F-A926B050F2F4}">
-  <ds:schemaRefs>
-    <ds:schemaRef ds:uri="http://schemas.microsoft.com/sharepoint/v3/contenttype/forms"/>
-  </ds:schemaRefs>
-</ds:datastoreItem>
-</file>
-
-<file path=customXml/itemProps3.xml><?xml version="1.0" encoding="utf-8"?>
-<ds:datastoreItem xmlns:ds="http://schemas.openxmlformats.org/officeDocument/2006/customXml" ds:itemID="{BA7BADF8-ABD3-4C23-AF26-BD3BDD8175E7}">
-  <ds:schemaRefs>
-    <ds:schemaRef ds:uri="http://schemas.microsoft.com/office/2006/metadata/properties"/>
-    <ds:schemaRef ds:uri="http://schemas.microsoft.com/office/infopath/2007/PartnerControls"/>
-    <ds:schemaRef ds:uri="6f570473-4b36-4c39-a776-03401f4bff93"/>
-  </ds:schemaRefs>
-</ds:datastoreItem>
 </file>